--- a/documentacion/Presentación.pptx
+++ b/documentacion/Presentación.pptx
@@ -31574,7 +31574,7 @@
             <a:pPr marL="0" indent="0"/>
             <a:r>
               <a:rPr lang="es-CO" sz="1800" dirty="0"/>
-              <a:t>ARQUITECTURA TUDE</a:t>
+              <a:t>ARQUITECTURA TUAE</a:t>
             </a:r>
             <a:endParaRPr lang="en-US" dirty="0"/>
           </a:p>
@@ -34042,8 +34042,8 @@
         </p:nvSpPr>
         <p:spPr>
           <a:xfrm>
-            <a:off x="898497" y="355650"/>
-            <a:ext cx="6888303" cy="636300"/>
+            <a:off x="602468" y="53042"/>
+            <a:ext cx="7537836" cy="1012661"/>
           </a:xfrm>
         </p:spPr>
         <p:txBody>
@@ -34051,14 +34051,14 @@
           <a:lstStyle/>
           <a:p>
             <a:r>
-              <a:rPr lang="en-US" b="1" dirty="0">
+              <a:rPr lang="es-CO" b="1" dirty="0">
                 <a:solidFill>
                   <a:schemeClr val="bg2"/>
                 </a:solidFill>
               </a:rPr>
-              <a:t>TUDE: TRAMITE ÚNIFICADO DE ESTADOS</a:t>
+              <a:t>TUAE: TRAMITE UNIFICADO DE ACCESO A ESTADOS</a:t>
             </a:r>
-            <a:endParaRPr lang="en-US" dirty="0">
+            <a:endParaRPr lang="es-CO" dirty="0">
               <a:solidFill>
                 <a:schemeClr val="bg2"/>
               </a:solidFill>
